--- a/prezentacija-glavna.pptx
+++ b/prezentacija-glavna.pptx
@@ -130,6 +130,11 @@
       </a:defRPr>
     </a:lvl9pPr>
   </p:defaultTextStyle>
+  <p:extLst>
+    <p:ext uri="{EFAFB233-063F-42B5-8137-9DF3F51BA10A}">
+      <p15:sldGuideLst xmlns:p15="http://schemas.microsoft.com/office/powerpoint/2012/main"/>
+    </p:ext>
+  </p:extLst>
 </p:presentation>
 </file>
 
@@ -4400,7 +4405,7 @@
           <a:bodyPr/>
           <a:lstStyle/>
           <a:p>
-            <a:endParaRPr lang="hr-HR"/>
+            <a:endParaRPr lang="hr-HR" dirty="0"/>
           </a:p>
         </p:txBody>
       </p:sp>
@@ -4552,7 +4557,24 @@
           <a:p>
             <a:r>
               <a:rPr lang="hr-HR" dirty="0" smtClean="0"/>
-              <a:t>Detektor pješava na fotografijama iz urbanih okruženja korištenjem značajki temeljenih na teksturi i boji</a:t>
+              <a:t>Detektor pješava na fotografijama iz urbanih okruženja korištenjem značajki temeljenih na teksturi i </a:t>
+            </a:r>
+            <a:r>
+              <a:rPr lang="hr-HR" dirty="0" smtClean="0"/>
+              <a:t>boji</a:t>
+            </a:r>
+          </a:p>
+          <a:p>
+            <a:endParaRPr lang="hr-HR" dirty="0"/>
+          </a:p>
+          <a:p>
+            <a:r>
+              <a:rPr lang="hr-HR" dirty="0" smtClean="0"/>
+              <a:t>zadatak </a:t>
+            </a:r>
+            <a:r>
+              <a:rPr lang="hr-HR" dirty="0"/>
+              <a:t>obuhvaća izgradnju detektora pješaka na fotografijama iz urbanih okru-ženja korištenjem značajki temeljenih na bridovima, teksturi i boji.</a:t>
             </a:r>
             <a:endParaRPr lang="hr-HR" dirty="0"/>
           </a:p>
@@ -4646,8 +4668,35 @@
           <a:p>
             <a:r>
               <a:rPr lang="hr-HR" dirty="0" smtClean="0"/>
-              <a:t>Složeniji postupci učenja ne daju bolje rezultate [3]</a:t>
-            </a:r>
+              <a:t>Složeniji postupci učenja ne daju bolje </a:t>
+            </a:r>
+            <a:r>
+              <a:rPr lang="hr-HR" dirty="0" smtClean="0"/>
+              <a:t>rezultate: </a:t>
+            </a:r>
+            <a:r>
+              <a:rPr lang="hr-HR" dirty="0" smtClean="0"/>
+              <a:t>[3</a:t>
+            </a:r>
+            <a:r>
+              <a:rPr lang="hr-HR" dirty="0" smtClean="0"/>
+              <a:t>] </a:t>
+            </a:r>
+          </a:p>
+          <a:p>
+            <a:pPr lvl="1"/>
+            <a:r>
+              <a:rPr lang="hr-HR" dirty="0" smtClean="0"/>
+              <a:t>(DPM – Deformable Part Models – detekcija dijelova tijela)</a:t>
+            </a:r>
+          </a:p>
+          <a:p>
+            <a:pPr lvl="1"/>
+            <a:r>
+              <a:rPr lang="hr-HR" dirty="0" smtClean="0"/>
+              <a:t>Nelinearni postupci temeljeni na neuronskim mrežama i stablima odluke</a:t>
+            </a:r>
+            <a:endParaRPr lang="hr-HR" dirty="0" smtClean="0"/>
           </a:p>
           <a:p>
             <a:endParaRPr lang="hr-HR" dirty="0"/>
@@ -4722,7 +4771,32 @@
           <a:bodyPr/>
           <a:lstStyle/>
           <a:p>
-            <a:endParaRPr lang="hr-HR"/>
+            <a:r>
+              <a:rPr lang="hr-HR" dirty="0" smtClean="0"/>
+              <a:t>Određivanje značajki unutar prozora (prozor putuje po fotografiji)</a:t>
+            </a:r>
+          </a:p>
+          <a:p>
+            <a:r>
+              <a:rPr lang="hr-HR" dirty="0" smtClean="0"/>
+              <a:t>Ignoriranje konteksta oko okvira koji se promatra (rješenje: uvođenje novih značajki)</a:t>
+            </a:r>
+          </a:p>
+          <a:p>
+            <a:endParaRPr lang="hr-HR" dirty="0"/>
+          </a:p>
+          <a:p>
+            <a:endParaRPr lang="hr-HR" dirty="0" smtClean="0"/>
+          </a:p>
+          <a:p>
+            <a:endParaRPr lang="hr-HR" dirty="0"/>
+          </a:p>
+          <a:p>
+            <a:r>
+              <a:rPr lang="hr-HR" dirty="0" smtClean="0"/>
+              <a:t>Redukcija:</a:t>
+            </a:r>
+            <a:endParaRPr lang="hr-HR" dirty="0"/>
           </a:p>
         </p:txBody>
       </p:sp>
